--- a/visual/model_image/model_image_project.pptx
+++ b/visual/model_image/model_image_project.pptx
@@ -104,7 +104,121 @@
       </a:defRPr>
     </a:lvl9pPr>
   </p:defaultTextStyle>
+  <p:extLst>
+    <p:ext uri="{EFAFB233-063F-42B5-8137-9DF3F51BA10A}">
+      <p15:sldGuideLst xmlns:p15="http://schemas.microsoft.com/office/powerpoint/2012/main"/>
+    </p:ext>
+  </p:extLst>
 </p:presentation>
+</file>
+
+<file path=ppt/revisionInfo.xml><?xml version="1.0" encoding="utf-8"?>
+<p1510:revInfo xmlns:a="http://schemas.openxmlformats.org/drawingml/2006/main" xmlns:r="http://schemas.openxmlformats.org/officeDocument/2006/relationships" xmlns:p1510="http://schemas.microsoft.com/office/powerpoint/2015/10/main">
+  <p1510:revLst>
+    <p1510:client id="{356FCB6B-4813-48D4-B354-C3F92C88D59E}" v="4" dt="2020-11-03T06:17:35.966"/>
+  </p1510:revLst>
+</p1510:revInfo>
+</file>
+
+<file path=ppt/changesInfos/changesInfo1.xml><?xml version="1.0" encoding="utf-8"?>
+<pc:chgInfo xmlns:a="http://schemas.openxmlformats.org/drawingml/2006/main" xmlns:r="http://schemas.openxmlformats.org/officeDocument/2006/relationships" xmlns:ac="http://schemas.microsoft.com/office/drawing/2013/main/command" xmlns:pc="http://schemas.microsoft.com/office/powerpoint/2013/main/command">
+  <pc:docChgLst>
+    <pc:chgData name="Luke Rowe" userId="ecac5ddd2681692b" providerId="LiveId" clId="{356FCB6B-4813-48D4-B354-C3F92C88D59E}"/>
+    <pc:docChg chg="undo custSel modSld">
+      <pc:chgData name="Luke Rowe" userId="ecac5ddd2681692b" providerId="LiveId" clId="{356FCB6B-4813-48D4-B354-C3F92C88D59E}" dt="2020-11-03T06:18:10.117" v="56" actId="20577"/>
+      <pc:docMkLst>
+        <pc:docMk/>
+      </pc:docMkLst>
+      <pc:sldChg chg="addSp delSp modSp">
+        <pc:chgData name="Luke Rowe" userId="ecac5ddd2681692b" providerId="LiveId" clId="{356FCB6B-4813-48D4-B354-C3F92C88D59E}" dt="2020-11-03T06:18:10.117" v="56" actId="20577"/>
+        <pc:sldMkLst>
+          <pc:docMk/>
+          <pc:sldMk cId="240538978" sldId="256"/>
+        </pc:sldMkLst>
+        <pc:spChg chg="mod">
+          <ac:chgData name="Luke Rowe" userId="ecac5ddd2681692b" providerId="LiveId" clId="{356FCB6B-4813-48D4-B354-C3F92C88D59E}" dt="2020-11-03T06:13:55.033" v="43" actId="1076"/>
+          <ac:spMkLst>
+            <pc:docMk/>
+            <pc:sldMk cId="240538978" sldId="256"/>
+            <ac:spMk id="72" creationId="{29FBE828-3F63-45CF-86F5-F25B67160C65}"/>
+          </ac:spMkLst>
+        </pc:spChg>
+        <pc:spChg chg="mod">
+          <ac:chgData name="Luke Rowe" userId="ecac5ddd2681692b" providerId="LiveId" clId="{356FCB6B-4813-48D4-B354-C3F92C88D59E}" dt="2020-11-03T06:12:59.308" v="4" actId="20577"/>
+          <ac:spMkLst>
+            <pc:docMk/>
+            <pc:sldMk cId="240538978" sldId="256"/>
+            <ac:spMk id="263" creationId="{5733C613-43DE-4FE1-9BB0-3899E5E8913A}"/>
+          </ac:spMkLst>
+        </pc:spChg>
+        <pc:spChg chg="mod">
+          <ac:chgData name="Luke Rowe" userId="ecac5ddd2681692b" providerId="LiveId" clId="{356FCB6B-4813-48D4-B354-C3F92C88D59E}" dt="2020-11-03T06:18:06.578" v="54" actId="20577"/>
+          <ac:spMkLst>
+            <pc:docMk/>
+            <pc:sldMk cId="240538978" sldId="256"/>
+            <ac:spMk id="268" creationId="{16CE0A1C-FC52-40C5-9B24-28EEEA3A7423}"/>
+          </ac:spMkLst>
+        </pc:spChg>
+        <pc:spChg chg="mod">
+          <ac:chgData name="Luke Rowe" userId="ecac5ddd2681692b" providerId="LiveId" clId="{356FCB6B-4813-48D4-B354-C3F92C88D59E}" dt="2020-11-03T06:18:10.117" v="56" actId="20577"/>
+          <ac:spMkLst>
+            <pc:docMk/>
+            <pc:sldMk cId="240538978" sldId="256"/>
+            <ac:spMk id="270" creationId="{578E6D2C-F3E0-498C-8F68-AE3E3F5D0CD9}"/>
+          </ac:spMkLst>
+        </pc:spChg>
+        <pc:spChg chg="mod">
+          <ac:chgData name="Luke Rowe" userId="ecac5ddd2681692b" providerId="LiveId" clId="{356FCB6B-4813-48D4-B354-C3F92C88D59E}" dt="2020-11-03T06:13:01.345" v="5" actId="20577"/>
+          <ac:spMkLst>
+            <pc:docMk/>
+            <pc:sldMk cId="240538978" sldId="256"/>
+            <ac:spMk id="274" creationId="{2A284B14-5348-4D7D-BA32-0198AFE0D739}"/>
+          </ac:spMkLst>
+        </pc:spChg>
+        <pc:spChg chg="mod">
+          <ac:chgData name="Luke Rowe" userId="ecac5ddd2681692b" providerId="LiveId" clId="{356FCB6B-4813-48D4-B354-C3F92C88D59E}" dt="2020-11-03T06:13:49.687" v="42" actId="1076"/>
+          <ac:spMkLst>
+            <pc:docMk/>
+            <pc:sldMk cId="240538978" sldId="256"/>
+            <ac:spMk id="288" creationId="{4B8B1CF7-CF87-424C-8955-59C2CAB73842}"/>
+          </ac:spMkLst>
+        </pc:spChg>
+        <pc:cxnChg chg="add mod">
+          <ac:chgData name="Luke Rowe" userId="ecac5ddd2681692b" providerId="LiveId" clId="{356FCB6B-4813-48D4-B354-C3F92C88D59E}" dt="2020-11-03T06:16:56.036" v="47" actId="208"/>
+          <ac:cxnSpMkLst>
+            <pc:docMk/>
+            <pc:sldMk cId="240538978" sldId="256"/>
+            <ac:cxnSpMk id="6" creationId="{FDEDAAC1-D1E7-4928-8F3C-383961BA465A}"/>
+          </ac:cxnSpMkLst>
+        </pc:cxnChg>
+        <pc:cxnChg chg="add mod">
+          <ac:chgData name="Luke Rowe" userId="ecac5ddd2681692b" providerId="LiveId" clId="{356FCB6B-4813-48D4-B354-C3F92C88D59E}" dt="2020-11-03T06:17:22.545" v="49" actId="208"/>
+          <ac:cxnSpMkLst>
+            <pc:docMk/>
+            <pc:sldMk cId="240538978" sldId="256"/>
+            <ac:cxnSpMk id="10" creationId="{669828D9-270A-4EBC-9013-1D0C13C73B6E}"/>
+          </ac:cxnSpMkLst>
+        </pc:cxnChg>
+        <pc:cxnChg chg="add mod">
+          <ac:chgData name="Luke Rowe" userId="ecac5ddd2681692b" providerId="LiveId" clId="{356FCB6B-4813-48D4-B354-C3F92C88D59E}" dt="2020-11-03T06:17:45.360" v="52" actId="14100"/>
+          <ac:cxnSpMkLst>
+            <pc:docMk/>
+            <pc:sldMk cId="240538978" sldId="256"/>
+            <ac:cxnSpMk id="138" creationId="{955F7160-6776-4988-807B-BE2B4E5A202E}"/>
+          </ac:cxnSpMkLst>
+        </pc:cxnChg>
+        <pc:cxnChg chg="del mod">
+          <ac:chgData name="Luke Rowe" userId="ecac5ddd2681692b" providerId="LiveId" clId="{356FCB6B-4813-48D4-B354-C3F92C88D59E}" dt="2020-11-03T06:15:41.154" v="45" actId="478"/>
+          <ac:cxnSpMkLst>
+            <pc:docMk/>
+            <pc:sldMk cId="240538978" sldId="256"/>
+            <ac:cxnSpMk id="278" creationId="{5ED3454B-C83F-4146-95E8-F28589DD2143}"/>
+          </ac:cxnSpMkLst>
+        </pc:cxnChg>
+      </pc:sldChg>
+    </pc:docChg>
+  </pc:docChgLst>
+</pc:chgInfo>
 </file>
 
 <file path=ppt/slideLayouts/slideLayout1.xml><?xml version="1.0" encoding="utf-8"?>
@@ -5060,8 +5174,8 @@
         </p:nvSpPr>
         <p:spPr>
           <a:xfrm>
-            <a:off x="2101221" y="4480687"/>
-            <a:ext cx="1609265" cy="415498"/>
+            <a:off x="2455776" y="4485585"/>
+            <a:ext cx="1609265" cy="577081"/>
           </a:xfrm>
           <a:prstGeom prst="rect">
             <a:avLst/>
@@ -5103,7 +5217,7 @@
               <a:rPr lang="en-US" sz="1050" dirty="0">
                 <a:latin typeface="+mj-lt"/>
               </a:rPr>
-              <a:t>(retrained w/ word2vec)</a:t>
+              <a:t>(pre-trained with word2vec)</a:t>
             </a:r>
             <a:endParaRPr lang="en-CA" sz="1050" dirty="0">
               <a:latin typeface="+mj-lt"/>
@@ -5359,8 +5473,8 @@
           </a:p>
         </p:txBody>
       </p:sp>
-      <mc:AlternateContent xmlns:mc="http://schemas.openxmlformats.org/markup-compatibility/2006">
-        <mc:Choice xmlns:a14="http://schemas.microsoft.com/office/drawing/2010/main" Requires="a14">
+      <mc:AlternateContent xmlns:mc="http://schemas.openxmlformats.org/markup-compatibility/2006" xmlns:a14="http://schemas.microsoft.com/office/drawing/2010/main">
+        <mc:Choice Requires="a14">
           <p:sp>
             <p:nvSpPr>
               <p:cNvPr id="80" name="TextBox 79">
@@ -5389,6 +5503,7 @@
               </a:bodyPr>
               <a:lstStyle/>
               <a:p>
+                <a:pPr/>
                 <a14:m>
                   <m:oMathPara xmlns:m="http://schemas.openxmlformats.org/officeDocument/2006/math">
                     <m:oMathParaPr>
@@ -5431,7 +5546,7 @@
             </p:txBody>
           </p:sp>
         </mc:Choice>
-        <mc:Fallback>
+        <mc:Fallback xmlns="">
           <p:sp>
             <p:nvSpPr>
               <p:cNvPr id="80" name="TextBox 79">
@@ -5532,8 +5647,8 @@
           </a:p>
         </p:txBody>
       </p:sp>
-      <mc:AlternateContent xmlns:mc="http://schemas.openxmlformats.org/markup-compatibility/2006">
-        <mc:Choice xmlns:a14="http://schemas.microsoft.com/office/drawing/2010/main" Requires="a14">
+      <mc:AlternateContent xmlns:mc="http://schemas.openxmlformats.org/markup-compatibility/2006" xmlns:a14="http://schemas.microsoft.com/office/drawing/2010/main">
+        <mc:Choice Requires="a14">
           <p:sp>
             <p:nvSpPr>
               <p:cNvPr id="84" name="TextBox 83">
@@ -5590,19 +5705,7 @@
                             <a:rPr lang="en-US" sz="1400" b="0" i="1" smtClean="0">
                               <a:latin typeface="Cambria Math" panose="02040503050406030204" pitchFamily="18" charset="0"/>
                             </a:rPr>
-                            <m:t>(</m:t>
-                          </m:r>
-                          <m:r>
-                            <a:rPr lang="en-US" sz="1400" b="0" i="1" smtClean="0">
-                              <a:latin typeface="Cambria Math" panose="02040503050406030204" pitchFamily="18" charset="0"/>
-                            </a:rPr>
-                            <m:t>2</m:t>
-                          </m:r>
-                          <m:r>
-                            <a:rPr lang="en-US" sz="1400" b="0" i="1" smtClean="0">
-                              <a:latin typeface="Cambria Math" panose="02040503050406030204" pitchFamily="18" charset="0"/>
-                            </a:rPr>
-                            <m:t>)</m:t>
+                            <m:t>(2)</m:t>
                           </m:r>
                         </m:sup>
                       </m:sSup>
@@ -5617,7 +5720,7 @@
             </p:txBody>
           </p:sp>
         </mc:Choice>
-        <mc:Fallback>
+        <mc:Fallback xmlns="">
           <p:sp>
             <p:nvSpPr>
               <p:cNvPr id="84" name="TextBox 83">
@@ -5717,8 +5820,8 @@
           </a:p>
         </p:txBody>
       </p:sp>
-      <mc:AlternateContent xmlns:mc="http://schemas.openxmlformats.org/markup-compatibility/2006">
-        <mc:Choice xmlns:a14="http://schemas.microsoft.com/office/drawing/2010/main" Requires="a14">
+      <mc:AlternateContent xmlns:mc="http://schemas.openxmlformats.org/markup-compatibility/2006" xmlns:a14="http://schemas.microsoft.com/office/drawing/2010/main">
+        <mc:Choice Requires="a14">
           <p:sp>
             <p:nvSpPr>
               <p:cNvPr id="88" name="TextBox 87">
@@ -5775,19 +5878,7 @@
                             <a:rPr lang="en-US" sz="1400" b="0" i="1" smtClean="0">
                               <a:latin typeface="Cambria Math" panose="02040503050406030204" pitchFamily="18" charset="0"/>
                             </a:rPr>
-                            <m:t>(</m:t>
-                          </m:r>
-                          <m:r>
-                            <a:rPr lang="en-US" sz="1400" b="0" i="1" smtClean="0">
-                              <a:latin typeface="Cambria Math" panose="02040503050406030204" pitchFamily="18" charset="0"/>
-                            </a:rPr>
-                            <m:t>3</m:t>
-                          </m:r>
-                          <m:r>
-                            <a:rPr lang="en-US" sz="1400" b="0" i="1" smtClean="0">
-                              <a:latin typeface="Cambria Math" panose="02040503050406030204" pitchFamily="18" charset="0"/>
-                            </a:rPr>
-                            <m:t>)</m:t>
+                            <m:t>(3)</m:t>
                           </m:r>
                         </m:sup>
                       </m:sSup>
@@ -5802,7 +5893,7 @@
             </p:txBody>
           </p:sp>
         </mc:Choice>
-        <mc:Fallback>
+        <mc:Fallback xmlns="">
           <p:sp>
             <p:nvSpPr>
               <p:cNvPr id="88" name="TextBox 87">
@@ -5901,8 +5992,8 @@
           </a:p>
         </p:txBody>
       </p:sp>
-      <mc:AlternateContent xmlns:mc="http://schemas.openxmlformats.org/markup-compatibility/2006">
-        <mc:Choice xmlns:a14="http://schemas.microsoft.com/office/drawing/2010/main" Requires="a14">
+      <mc:AlternateContent xmlns:mc="http://schemas.openxmlformats.org/markup-compatibility/2006" xmlns:a14="http://schemas.microsoft.com/office/drawing/2010/main">
+        <mc:Choice Requires="a14">
           <p:sp>
             <p:nvSpPr>
               <p:cNvPr id="92" name="TextBox 91">
@@ -5959,19 +6050,7 @@
                             <a:rPr lang="en-US" sz="1400" b="0" i="1" smtClean="0">
                               <a:latin typeface="Cambria Math" panose="02040503050406030204" pitchFamily="18" charset="0"/>
                             </a:rPr>
-                            <m:t>(</m:t>
-                          </m:r>
-                          <m:r>
-                            <a:rPr lang="en-US" sz="1400" b="0" i="1" smtClean="0">
-                              <a:latin typeface="Cambria Math" panose="02040503050406030204" pitchFamily="18" charset="0"/>
-                            </a:rPr>
-                            <m:t>4</m:t>
-                          </m:r>
-                          <m:r>
-                            <a:rPr lang="en-US" sz="1400" b="0" i="1" smtClean="0">
-                              <a:latin typeface="Cambria Math" panose="02040503050406030204" pitchFamily="18" charset="0"/>
-                            </a:rPr>
-                            <m:t>)</m:t>
+                            <m:t>(4)</m:t>
                           </m:r>
                         </m:sup>
                       </m:sSup>
@@ -5986,7 +6065,7 @@
             </p:txBody>
           </p:sp>
         </mc:Choice>
-        <mc:Fallback>
+        <mc:Fallback xmlns="">
           <p:sp>
             <p:nvSpPr>
               <p:cNvPr id="92" name="TextBox 91">
@@ -6085,8 +6164,8 @@
           </a:p>
         </p:txBody>
       </p:sp>
-      <mc:AlternateContent xmlns:mc="http://schemas.openxmlformats.org/markup-compatibility/2006">
-        <mc:Choice xmlns:a14="http://schemas.microsoft.com/office/drawing/2010/main" Requires="a14">
+      <mc:AlternateContent xmlns:mc="http://schemas.openxmlformats.org/markup-compatibility/2006" xmlns:a14="http://schemas.microsoft.com/office/drawing/2010/main">
+        <mc:Choice Requires="a14">
           <p:sp>
             <p:nvSpPr>
               <p:cNvPr id="96" name="TextBox 95">
@@ -6143,19 +6222,7 @@
                             <a:rPr lang="en-US" sz="1400" b="0" i="1" smtClean="0">
                               <a:latin typeface="Cambria Math" panose="02040503050406030204" pitchFamily="18" charset="0"/>
                             </a:rPr>
-                            <m:t>(</m:t>
-                          </m:r>
-                          <m:r>
-                            <a:rPr lang="en-US" sz="1400" b="0" i="1" smtClean="0">
-                              <a:latin typeface="Cambria Math" panose="02040503050406030204" pitchFamily="18" charset="0"/>
-                            </a:rPr>
-                            <m:t>5</m:t>
-                          </m:r>
-                          <m:r>
-                            <a:rPr lang="en-US" sz="1400" b="0" i="1" smtClean="0">
-                              <a:latin typeface="Cambria Math" panose="02040503050406030204" pitchFamily="18" charset="0"/>
-                            </a:rPr>
-                            <m:t>)</m:t>
+                            <m:t>(5)</m:t>
                           </m:r>
                         </m:sup>
                       </m:sSup>
@@ -6170,7 +6237,7 @@
             </p:txBody>
           </p:sp>
         </mc:Choice>
-        <mc:Fallback>
+        <mc:Fallback xmlns="">
           <p:sp>
             <p:nvSpPr>
               <p:cNvPr id="96" name="TextBox 95">
@@ -6274,8 +6341,8 @@
           </a:p>
         </p:txBody>
       </p:sp>
-      <mc:AlternateContent xmlns:mc="http://schemas.openxmlformats.org/markup-compatibility/2006">
-        <mc:Choice xmlns:a14="http://schemas.microsoft.com/office/drawing/2010/main" Requires="a14">
+      <mc:AlternateContent xmlns:mc="http://schemas.openxmlformats.org/markup-compatibility/2006" xmlns:a14="http://schemas.microsoft.com/office/drawing/2010/main">
+        <mc:Choice Requires="a14">
           <p:sp>
             <p:nvSpPr>
               <p:cNvPr id="100" name="TextBox 99">
@@ -6347,7 +6414,7 @@
             </p:txBody>
           </p:sp>
         </mc:Choice>
-        <mc:Fallback>
+        <mc:Fallback xmlns="">
           <p:sp>
             <p:nvSpPr>
               <p:cNvPr id="100" name="TextBox 99">
@@ -6661,8 +6728,8 @@
           </a:p>
         </p:txBody>
       </p:sp>
-      <mc:AlternateContent xmlns:mc="http://schemas.openxmlformats.org/markup-compatibility/2006">
-        <mc:Choice xmlns:a14="http://schemas.microsoft.com/office/drawing/2010/main" Requires="a14">
+      <mc:AlternateContent xmlns:mc="http://schemas.openxmlformats.org/markup-compatibility/2006" xmlns:a14="http://schemas.microsoft.com/office/drawing/2010/main">
+        <mc:Choice Requires="a14">
           <p:sp>
             <p:nvSpPr>
               <p:cNvPr id="119" name="TextBox 118">
@@ -6719,19 +6786,7 @@
                             <a:rPr lang="en-US" sz="1400" b="0" i="1" smtClean="0">
                               <a:latin typeface="Cambria Math" panose="02040503050406030204" pitchFamily="18" charset="0"/>
                             </a:rPr>
-                            <m:t>(</m:t>
-                          </m:r>
-                          <m:r>
-                            <a:rPr lang="en-US" sz="1400" b="0" i="1" smtClean="0">
-                              <a:latin typeface="Cambria Math" panose="02040503050406030204" pitchFamily="18" charset="0"/>
-                            </a:rPr>
-                            <m:t>5</m:t>
-                          </m:r>
-                          <m:r>
-                            <a:rPr lang="en-US" sz="1400" b="0" i="1" smtClean="0">
-                              <a:latin typeface="Cambria Math" panose="02040503050406030204" pitchFamily="18" charset="0"/>
-                            </a:rPr>
-                            <m:t>)</m:t>
+                            <m:t>(5)</m:t>
                           </m:r>
                         </m:sup>
                       </m:sSup>
@@ -6746,7 +6801,7 @@
             </p:txBody>
           </p:sp>
         </mc:Choice>
-        <mc:Fallback>
+        <mc:Fallback xmlns="">
           <p:sp>
             <p:nvSpPr>
               <p:cNvPr id="119" name="TextBox 118">
@@ -6847,8 +6902,8 @@
           </a:p>
         </p:txBody>
       </p:sp>
-      <mc:AlternateContent xmlns:mc="http://schemas.openxmlformats.org/markup-compatibility/2006">
-        <mc:Choice xmlns:a14="http://schemas.microsoft.com/office/drawing/2010/main" Requires="a14">
+      <mc:AlternateContent xmlns:mc="http://schemas.openxmlformats.org/markup-compatibility/2006" xmlns:a14="http://schemas.microsoft.com/office/drawing/2010/main">
+        <mc:Choice Requires="a14">
           <p:sp>
             <p:nvSpPr>
               <p:cNvPr id="123" name="TextBox 122">
@@ -6905,19 +6960,7 @@
                             <a:rPr lang="en-US" sz="1400" b="0" i="1" smtClean="0">
                               <a:latin typeface="Cambria Math" panose="02040503050406030204" pitchFamily="18" charset="0"/>
                             </a:rPr>
-                            <m:t>(</m:t>
-                          </m:r>
-                          <m:r>
-                            <a:rPr lang="en-US" sz="1400" b="0" i="1" smtClean="0">
-                              <a:latin typeface="Cambria Math" panose="02040503050406030204" pitchFamily="18" charset="0"/>
-                            </a:rPr>
-                            <m:t>4</m:t>
-                          </m:r>
-                          <m:r>
-                            <a:rPr lang="en-US" sz="1400" b="0" i="1" smtClean="0">
-                              <a:latin typeface="Cambria Math" panose="02040503050406030204" pitchFamily="18" charset="0"/>
-                            </a:rPr>
-                            <m:t>)</m:t>
+                            <m:t>(4)</m:t>
                           </m:r>
                         </m:sup>
                       </m:sSup>
@@ -6932,7 +6975,7 @@
             </p:txBody>
           </p:sp>
         </mc:Choice>
-        <mc:Fallback>
+        <mc:Fallback xmlns="">
           <p:sp>
             <p:nvSpPr>
               <p:cNvPr id="123" name="TextBox 122">
@@ -7033,8 +7076,8 @@
           </a:p>
         </p:txBody>
       </p:sp>
-      <mc:AlternateContent xmlns:mc="http://schemas.openxmlformats.org/markup-compatibility/2006">
-        <mc:Choice xmlns:a14="http://schemas.microsoft.com/office/drawing/2010/main" Requires="a14">
+      <mc:AlternateContent xmlns:mc="http://schemas.openxmlformats.org/markup-compatibility/2006" xmlns:a14="http://schemas.microsoft.com/office/drawing/2010/main">
+        <mc:Choice Requires="a14">
           <p:sp>
             <p:nvSpPr>
               <p:cNvPr id="127" name="TextBox 126">
@@ -7091,19 +7134,7 @@
                             <a:rPr lang="en-US" sz="1400" b="0" i="1" smtClean="0">
                               <a:latin typeface="Cambria Math" panose="02040503050406030204" pitchFamily="18" charset="0"/>
                             </a:rPr>
-                            <m:t>(</m:t>
-                          </m:r>
-                          <m:r>
-                            <a:rPr lang="en-US" sz="1400" b="0" i="1" smtClean="0">
-                              <a:latin typeface="Cambria Math" panose="02040503050406030204" pitchFamily="18" charset="0"/>
-                            </a:rPr>
-                            <m:t>3</m:t>
-                          </m:r>
-                          <m:r>
-                            <a:rPr lang="en-US" sz="1400" b="0" i="1" smtClean="0">
-                              <a:latin typeface="Cambria Math" panose="02040503050406030204" pitchFamily="18" charset="0"/>
-                            </a:rPr>
-                            <m:t>)</m:t>
+                            <m:t>(3)</m:t>
                           </m:r>
                         </m:sup>
                       </m:sSup>
@@ -7118,7 +7149,7 @@
             </p:txBody>
           </p:sp>
         </mc:Choice>
-        <mc:Fallback>
+        <mc:Fallback xmlns="">
           <p:sp>
             <p:nvSpPr>
               <p:cNvPr id="127" name="TextBox 126">
@@ -7219,8 +7250,8 @@
           </a:p>
         </p:txBody>
       </p:sp>
-      <mc:AlternateContent xmlns:mc="http://schemas.openxmlformats.org/markup-compatibility/2006">
-        <mc:Choice xmlns:a14="http://schemas.microsoft.com/office/drawing/2010/main" Requires="a14">
+      <mc:AlternateContent xmlns:mc="http://schemas.openxmlformats.org/markup-compatibility/2006" xmlns:a14="http://schemas.microsoft.com/office/drawing/2010/main">
+        <mc:Choice Requires="a14">
           <p:sp>
             <p:nvSpPr>
               <p:cNvPr id="131" name="TextBox 130">
@@ -7277,19 +7308,7 @@
                             <a:rPr lang="en-US" sz="1400" b="0" i="1" smtClean="0">
                               <a:latin typeface="Cambria Math" panose="02040503050406030204" pitchFamily="18" charset="0"/>
                             </a:rPr>
-                            <m:t>(</m:t>
-                          </m:r>
-                          <m:r>
-                            <a:rPr lang="en-US" sz="1400" b="0" i="1" smtClean="0">
-                              <a:latin typeface="Cambria Math" panose="02040503050406030204" pitchFamily="18" charset="0"/>
-                            </a:rPr>
-                            <m:t>2</m:t>
-                          </m:r>
-                          <m:r>
-                            <a:rPr lang="en-US" sz="1400" b="0" i="1" smtClean="0">
-                              <a:latin typeface="Cambria Math" panose="02040503050406030204" pitchFamily="18" charset="0"/>
-                            </a:rPr>
-                            <m:t>)</m:t>
+                            <m:t>(2)</m:t>
                           </m:r>
                         </m:sup>
                       </m:sSup>
@@ -7304,7 +7323,7 @@
             </p:txBody>
           </p:sp>
         </mc:Choice>
-        <mc:Fallback>
+        <mc:Fallback xmlns="">
           <p:sp>
             <p:nvSpPr>
               <p:cNvPr id="131" name="TextBox 130">
@@ -7405,8 +7424,8 @@
           </a:p>
         </p:txBody>
       </p:sp>
-      <mc:AlternateContent xmlns:mc="http://schemas.openxmlformats.org/markup-compatibility/2006">
-        <mc:Choice xmlns:a14="http://schemas.microsoft.com/office/drawing/2010/main" Requires="a14">
+      <mc:AlternateContent xmlns:mc="http://schemas.openxmlformats.org/markup-compatibility/2006" xmlns:a14="http://schemas.microsoft.com/office/drawing/2010/main">
+        <mc:Choice Requires="a14">
           <p:sp>
             <p:nvSpPr>
               <p:cNvPr id="135" name="TextBox 134">
@@ -7463,19 +7482,7 @@
                             <a:rPr lang="en-US" sz="1400" b="0" i="1" smtClean="0">
                               <a:latin typeface="Cambria Math" panose="02040503050406030204" pitchFamily="18" charset="0"/>
                             </a:rPr>
-                            <m:t>(</m:t>
-                          </m:r>
-                          <m:r>
-                            <a:rPr lang="en-US" sz="1400" b="0" i="1" smtClean="0">
-                              <a:latin typeface="Cambria Math" panose="02040503050406030204" pitchFamily="18" charset="0"/>
-                            </a:rPr>
-                            <m:t>1</m:t>
-                          </m:r>
-                          <m:r>
-                            <a:rPr lang="en-US" sz="1400" b="0" i="1" smtClean="0">
-                              <a:latin typeface="Cambria Math" panose="02040503050406030204" pitchFamily="18" charset="0"/>
-                            </a:rPr>
-                            <m:t>)</m:t>
+                            <m:t>(1)</m:t>
                           </m:r>
                         </m:sup>
                       </m:sSup>
@@ -7490,7 +7497,7 @@
             </p:txBody>
           </p:sp>
         </mc:Choice>
-        <mc:Fallback>
+        <mc:Fallback xmlns="">
           <p:sp>
             <p:nvSpPr>
               <p:cNvPr id="135" name="TextBox 134">
@@ -7591,8 +7598,8 @@
           </a:p>
         </p:txBody>
       </p:sp>
-      <mc:AlternateContent xmlns:mc="http://schemas.openxmlformats.org/markup-compatibility/2006">
-        <mc:Choice xmlns:a14="http://schemas.microsoft.com/office/drawing/2010/main" Requires="a14">
+      <mc:AlternateContent xmlns:mc="http://schemas.openxmlformats.org/markup-compatibility/2006" xmlns:a14="http://schemas.microsoft.com/office/drawing/2010/main">
+        <mc:Choice Requires="a14">
           <p:sp>
             <p:nvSpPr>
               <p:cNvPr id="139" name="TextBox 138">
@@ -7649,19 +7656,7 @@
                             <a:rPr lang="en-US" sz="1400" b="0" i="1" smtClean="0">
                               <a:latin typeface="Cambria Math" panose="02040503050406030204" pitchFamily="18" charset="0"/>
                             </a:rPr>
-                            <m:t>(</m:t>
-                          </m:r>
-                          <m:r>
-                            <a:rPr lang="en-US" sz="1400" b="0" i="1" smtClean="0">
-                              <a:latin typeface="Cambria Math" panose="02040503050406030204" pitchFamily="18" charset="0"/>
-                            </a:rPr>
-                            <m:t>0</m:t>
-                          </m:r>
-                          <m:r>
-                            <a:rPr lang="en-US" sz="1400" b="0" i="1" smtClean="0">
-                              <a:latin typeface="Cambria Math" panose="02040503050406030204" pitchFamily="18" charset="0"/>
-                            </a:rPr>
-                            <m:t>)</m:t>
+                            <m:t>(0)</m:t>
                           </m:r>
                         </m:sup>
                       </m:sSup>
@@ -7676,7 +7671,7 @@
             </p:txBody>
           </p:sp>
         </mc:Choice>
-        <mc:Fallback>
+        <mc:Fallback xmlns="">
           <p:sp>
             <p:nvSpPr>
               <p:cNvPr id="139" name="TextBox 138">
@@ -8874,7 +8869,7 @@
               <a:rPr lang="en-US" sz="1050" dirty="0">
                 <a:latin typeface="+mj-lt"/>
               </a:rPr>
-              <a:t>Text context feature</a:t>
+              <a:t>Text context features</a:t>
             </a:r>
             <a:endParaRPr lang="en-CA" sz="1050" dirty="0">
               <a:latin typeface="+mj-lt"/>
@@ -9040,7 +9035,10 @@
           <a:lstStyle/>
           <a:p>
             <a:pPr algn="ctr"/>
-            <a:endParaRPr lang="en-CA"/>
+            <a:r>
+              <a:rPr lang="en-CA" sz="1200" dirty="0"/>
+              <a:t>0</a:t>
+            </a:r>
           </a:p>
         </p:txBody>
       </p:sp>
@@ -9094,7 +9092,10 @@
           <a:lstStyle/>
           <a:p>
             <a:pPr algn="ctr"/>
-            <a:endParaRPr lang="en-CA"/>
+            <a:r>
+              <a:rPr lang="en-CA" sz="1200" dirty="0"/>
+              <a:t>1</a:t>
+            </a:r>
           </a:p>
         </p:txBody>
       </p:sp>
@@ -9191,7 +9192,7 @@
               <a:rPr lang="en-US" sz="1050" dirty="0">
                 <a:latin typeface="+mj-lt"/>
               </a:rPr>
-              <a:t>Follower Feature</a:t>
+              <a:t>Follower Features</a:t>
             </a:r>
             <a:endParaRPr lang="en-CA" sz="1050" dirty="0">
               <a:latin typeface="+mj-lt"/>
@@ -9222,51 +9223,6 @@
           <a:prstGeom prst="bentConnector3">
             <a:avLst>
               <a:gd name="adj1" fmla="val -71292"/>
-            </a:avLst>
-          </a:prstGeom>
-          <a:ln>
-            <a:tailEnd type="triangle"/>
-          </a:ln>
-        </p:spPr>
-        <p:style>
-          <a:lnRef idx="1">
-            <a:schemeClr val="dk1"/>
-          </a:lnRef>
-          <a:fillRef idx="0">
-            <a:schemeClr val="dk1"/>
-          </a:fillRef>
-          <a:effectRef idx="0">
-            <a:schemeClr val="dk1"/>
-          </a:effectRef>
-          <a:fontRef idx="minor">
-            <a:schemeClr val="tx1"/>
-          </a:fontRef>
-        </p:style>
-      </p:cxnSp>
-      <p:cxnSp>
-        <p:nvCxnSpPr>
-          <p:cNvPr id="278" name="Connector: Elbow 277">
-            <a:extLst>
-              <a:ext uri="{FF2B5EF4-FFF2-40B4-BE49-F238E27FC236}">
-                <a16:creationId xmlns:a16="http://schemas.microsoft.com/office/drawing/2014/main" id="{5ED3454B-C83F-4146-95E8-F28589DD2143}"/>
-              </a:ext>
-            </a:extLst>
-          </p:cNvPr>
-          <p:cNvCxnSpPr>
-            <a:cxnSpLocks/>
-            <a:stCxn id="94" idx="6"/>
-            <a:endCxn id="270" idx="3"/>
-          </p:cNvCxnSpPr>
-          <p:nvPr/>
-        </p:nvCxnSpPr>
-        <p:spPr>
-          <a:xfrm flipH="1" flipV="1">
-            <a:off x="7679921" y="1981764"/>
-            <a:ext cx="776276" cy="1800699"/>
-          </a:xfrm>
-          <a:prstGeom prst="bentConnector3">
-            <a:avLst>
-              <a:gd name="adj1" fmla="val -97982"/>
             </a:avLst>
           </a:prstGeom>
           <a:ln>
@@ -9349,8 +9305,8 @@
         </p:nvSpPr>
         <p:spPr>
           <a:xfrm>
-            <a:off x="1140038" y="2790239"/>
-            <a:ext cx="1609265" cy="253916"/>
+            <a:off x="1483313" y="2720928"/>
+            <a:ext cx="1609265" cy="415498"/>
           </a:xfrm>
           <a:prstGeom prst="rect">
             <a:avLst/>
@@ -9384,7 +9340,15 @@
               <a:rPr lang="en-US" sz="1050" dirty="0">
                 <a:latin typeface="+mj-lt"/>
               </a:rPr>
-              <a:t>Bidirectional RNN (GRU)</a:t>
+              <a:t>Bidirectional RNN </a:t>
+            </a:r>
+          </a:p>
+          <a:p>
+            <a:r>
+              <a:rPr lang="en-US" sz="1050" dirty="0">
+                <a:latin typeface="+mj-lt"/>
+              </a:rPr>
+              <a:t>        (Bi-GRU)</a:t>
             </a:r>
             <a:endParaRPr lang="en-CA" sz="1050" dirty="0">
               <a:latin typeface="+mj-lt"/>
@@ -10564,16 +10528,10 @@
           <a:lstStyle/>
           <a:p>
             <a:r>
-              <a:rPr lang="en-US" sz="1050" dirty="0" err="1">
-                <a:latin typeface="+mj-lt"/>
-              </a:rPr>
-              <a:t>Softmax</a:t>
-            </a:r>
-            <a:r>
               <a:rPr lang="en-US" sz="1050" dirty="0">
                 <a:latin typeface="+mj-lt"/>
               </a:rPr>
-              <a:t> Probabilities</a:t>
+              <a:t>Softmax Probabilities</a:t>
             </a:r>
             <a:endParaRPr lang="en-CA" sz="1050" dirty="0">
               <a:latin typeface="+mj-lt"/>
@@ -10581,6 +10539,131 @@
           </a:p>
         </p:txBody>
       </p:sp>
+      <p:cxnSp>
+        <p:nvCxnSpPr>
+          <p:cNvPr id="6" name="Connector: Elbow 5">
+            <a:extLst>
+              <a:ext uri="{FF2B5EF4-FFF2-40B4-BE49-F238E27FC236}">
+                <a16:creationId xmlns:a16="http://schemas.microsoft.com/office/drawing/2014/main" id="{FDEDAAC1-D1E7-4928-8F3C-383961BA465A}"/>
+              </a:ext>
+            </a:extLst>
+          </p:cNvPr>
+          <p:cNvCxnSpPr>
+            <a:stCxn id="96" idx="3"/>
+          </p:cNvCxnSpPr>
+          <p:nvPr/>
+        </p:nvCxnSpPr>
+        <p:spPr>
+          <a:xfrm flipV="1">
+            <a:off x="8442159" y="2484440"/>
+            <a:ext cx="792713" cy="1299114"/>
+          </a:xfrm>
+          <a:prstGeom prst="bentConnector2">
+            <a:avLst/>
+          </a:prstGeom>
+          <a:ln>
+            <a:solidFill>
+              <a:schemeClr val="tx1"/>
+            </a:solidFill>
+          </a:ln>
+        </p:spPr>
+        <p:style>
+          <a:lnRef idx="1">
+            <a:schemeClr val="accent1"/>
+          </a:lnRef>
+          <a:fillRef idx="0">
+            <a:schemeClr val="accent1"/>
+          </a:fillRef>
+          <a:effectRef idx="0">
+            <a:schemeClr val="accent1"/>
+          </a:effectRef>
+          <a:fontRef idx="minor">
+            <a:schemeClr val="tx1"/>
+          </a:fontRef>
+        </p:style>
+      </p:cxnSp>
+      <p:cxnSp>
+        <p:nvCxnSpPr>
+          <p:cNvPr id="10" name="Straight Connector 9">
+            <a:extLst>
+              <a:ext uri="{FF2B5EF4-FFF2-40B4-BE49-F238E27FC236}">
+                <a16:creationId xmlns:a16="http://schemas.microsoft.com/office/drawing/2014/main" id="{669828D9-270A-4EBC-9013-1D0C13C73B6E}"/>
+              </a:ext>
+            </a:extLst>
+          </p:cNvPr>
+          <p:cNvCxnSpPr/>
+          <p:nvPr/>
+        </p:nvCxnSpPr>
+        <p:spPr>
+          <a:xfrm flipH="1">
+            <a:off x="6823406" y="2484440"/>
+            <a:ext cx="2411466" cy="14186"/>
+          </a:xfrm>
+          <a:prstGeom prst="line">
+            <a:avLst/>
+          </a:prstGeom>
+          <a:ln>
+            <a:solidFill>
+              <a:schemeClr val="tx1"/>
+            </a:solidFill>
+          </a:ln>
+        </p:spPr>
+        <p:style>
+          <a:lnRef idx="1">
+            <a:schemeClr val="accent1"/>
+          </a:lnRef>
+          <a:fillRef idx="0">
+            <a:schemeClr val="accent1"/>
+          </a:fillRef>
+          <a:effectRef idx="0">
+            <a:schemeClr val="accent1"/>
+          </a:effectRef>
+          <a:fontRef idx="minor">
+            <a:schemeClr val="tx1"/>
+          </a:fontRef>
+        </p:style>
+      </p:cxnSp>
+      <p:cxnSp>
+        <p:nvCxnSpPr>
+          <p:cNvPr id="138" name="Straight Arrow Connector 137">
+            <a:extLst>
+              <a:ext uri="{FF2B5EF4-FFF2-40B4-BE49-F238E27FC236}">
+                <a16:creationId xmlns:a16="http://schemas.microsoft.com/office/drawing/2014/main" id="{955F7160-6776-4988-807B-BE2B4E5A202E}"/>
+              </a:ext>
+            </a:extLst>
+          </p:cNvPr>
+          <p:cNvCxnSpPr>
+            <a:cxnSpLocks/>
+          </p:cNvCxnSpPr>
+          <p:nvPr/>
+        </p:nvCxnSpPr>
+        <p:spPr>
+          <a:xfrm flipV="1">
+            <a:off x="6823406" y="2108546"/>
+            <a:ext cx="0" cy="382987"/>
+          </a:xfrm>
+          <a:prstGeom prst="straightConnector1">
+            <a:avLst/>
+          </a:prstGeom>
+          <a:ln>
+            <a:tailEnd type="triangle"/>
+          </a:ln>
+        </p:spPr>
+        <p:style>
+          <a:lnRef idx="1">
+            <a:schemeClr val="dk1"/>
+          </a:lnRef>
+          <a:fillRef idx="0">
+            <a:schemeClr val="dk1"/>
+          </a:fillRef>
+          <a:effectRef idx="0">
+            <a:schemeClr val="dk1"/>
+          </a:effectRef>
+          <a:fontRef idx="minor">
+            <a:schemeClr val="tx1"/>
+          </a:fontRef>
+        </p:style>
+      </p:cxnSp>
     </p:spTree>
     <p:extLst>
       <p:ext uri="{BB962C8B-B14F-4D97-AF65-F5344CB8AC3E}">
